--- a/slides/T.4.13.2-3-4.Trees.pptx
+++ b/slides/T.4.13.2-3-4.Trees.pptx
@@ -5,10 +5,10 @@
     <p:sldMasterId id="2147483648" r:id="rId1"/>
   </p:sldMasterIdLst>
   <p:notesMasterIdLst>
-    <p:notesMasterId r:id="rId46"/>
+    <p:notesMasterId r:id="rId43"/>
   </p:notesMasterIdLst>
   <p:handoutMasterIdLst>
-    <p:handoutMasterId r:id="rId47"/>
+    <p:handoutMasterId r:id="rId44"/>
   </p:handoutMasterIdLst>
   <p:sldIdLst>
     <p:sldId id="640" r:id="rId2"/>
@@ -52,9 +52,6 @@
     <p:sldId id="955" r:id="rId40"/>
     <p:sldId id="954" r:id="rId41"/>
     <p:sldId id="958" r:id="rId42"/>
-    <p:sldId id="946" r:id="rId43"/>
-    <p:sldId id="610" r:id="rId44"/>
-    <p:sldId id="611" r:id="rId45"/>
   </p:sldIdLst>
   <p:sldSz cx="9144000" cy="6858000" type="screen4x3"/>
   <p:notesSz cx="6858000" cy="9144000"/>
@@ -270,7 +267,7 @@
             <a:fld id="{6DE37D56-AB77-CE4B-B078-A8BFFB2FAE95}" type="datetimeFigureOut">
               <a:rPr lang="en-US" smtClean="0"/>
               <a:pPr/>
-              <a:t>4/13/21</a:t>
+              <a:t>5/23/21</a:t>
             </a:fld>
             <a:endParaRPr lang="en-US"/>
           </a:p>
@@ -438,7 +435,7 @@
             <a:fld id="{FC744734-BC72-CD49-B3A6-8834D3D26B66}" type="datetimeFigureOut">
               <a:rPr lang="en-US" smtClean="0"/>
               <a:pPr/>
-              <a:t>4/13/21</a:t>
+              <a:t>5/23/21</a:t>
             </a:fld>
             <a:endParaRPr lang="en-US"/>
           </a:p>
@@ -22094,585 +22091,6 @@
     <p:extLst>
       <p:ext uri="{BB962C8B-B14F-4D97-AF65-F5344CB8AC3E}">
         <p14:creationId xmlns:p14="http://schemas.microsoft.com/office/powerpoint/2010/main" val="1697540251"/>
-      </p:ext>
-    </p:extLst>
-  </p:cSld>
-  <p:clrMapOvr>
-    <a:masterClrMapping/>
-  </p:clrMapOvr>
-</p:sld>
-</file>
-
-<file path=ppt/slides/slide42.xml><?xml version="1.0" encoding="utf-8"?>
-<p:sld xmlns:a="http://schemas.openxmlformats.org/drawingml/2006/main" xmlns:r="http://schemas.openxmlformats.org/officeDocument/2006/relationships" xmlns:p="http://schemas.openxmlformats.org/presentationml/2006/main">
-  <p:cSld>
-    <p:spTree>
-      <p:nvGrpSpPr>
-        <p:cNvPr id="1" name=""/>
-        <p:cNvGrpSpPr/>
-        <p:nvPr/>
-      </p:nvGrpSpPr>
-      <p:grpSpPr>
-        <a:xfrm>
-          <a:off x="0" y="0"/>
-          <a:ext cx="0" cy="0"/>
-          <a:chOff x="0" y="0"/>
-          <a:chExt cx="0" cy="0"/>
-        </a:xfrm>
-      </p:grpSpPr>
-      <p:sp>
-        <p:nvSpPr>
-          <p:cNvPr id="2" name="Title 1">
-            <a:extLst>
-              <a:ext uri="{FF2B5EF4-FFF2-40B4-BE49-F238E27FC236}">
-                <a16:creationId xmlns:a16="http://schemas.microsoft.com/office/drawing/2014/main" id="{E075CFC9-FE9E-5949-BCA0-7FE591B26C67}"/>
-              </a:ext>
-            </a:extLst>
-          </p:cNvPr>
-          <p:cNvSpPr>
-            <a:spLocks noGrp="1"/>
-          </p:cNvSpPr>
-          <p:nvPr>
-            <p:ph type="title"/>
-          </p:nvPr>
-        </p:nvSpPr>
-        <p:spPr>
-          <a:xfrm>
-            <a:off x="457200" y="2857500"/>
-            <a:ext cx="8229600" cy="1143000"/>
-          </a:xfrm>
-        </p:spPr>
-        <p:txBody>
-          <a:bodyPr/>
-          <a:lstStyle/>
-          <a:p>
-            <a:r>
-              <a:rPr lang="en-US" dirty="0"/>
-              <a:t>Work</a:t>
-            </a:r>
-          </a:p>
-        </p:txBody>
-      </p:sp>
-      <p:sp>
-        <p:nvSpPr>
-          <p:cNvPr id="4" name="Footer Placeholder 3">
-            <a:extLst>
-              <a:ext uri="{FF2B5EF4-FFF2-40B4-BE49-F238E27FC236}">
-                <a16:creationId xmlns:a16="http://schemas.microsoft.com/office/drawing/2014/main" id="{39ED9A10-A3C0-A441-A664-59DA679B4CA7}"/>
-              </a:ext>
-            </a:extLst>
-          </p:cNvPr>
-          <p:cNvSpPr>
-            <a:spLocks noGrp="1"/>
-          </p:cNvSpPr>
-          <p:nvPr>
-            <p:ph type="ftr" sz="quarter" idx="11"/>
-          </p:nvPr>
-        </p:nvSpPr>
-        <p:spPr/>
-        <p:txBody>
-          <a:bodyPr/>
-          <a:lstStyle/>
-          <a:p>
-            <a:r>
-              <a:rPr lang="en-US"/>
-              <a:t>CSCI 1102 Computer Science 2</a:t>
-            </a:r>
-          </a:p>
-        </p:txBody>
-      </p:sp>
-    </p:spTree>
-    <p:extLst>
-      <p:ext uri="{BB962C8B-B14F-4D97-AF65-F5344CB8AC3E}">
-        <p14:creationId xmlns:p14="http://schemas.microsoft.com/office/powerpoint/2010/main" val="3418435967"/>
-      </p:ext>
-    </p:extLst>
-  </p:cSld>
-  <p:clrMapOvr>
-    <a:masterClrMapping/>
-  </p:clrMapOvr>
-</p:sld>
-</file>
-
-<file path=ppt/slides/slide43.xml><?xml version="1.0" encoding="utf-8"?>
-<p:sld xmlns:a="http://schemas.openxmlformats.org/drawingml/2006/main" xmlns:r="http://schemas.openxmlformats.org/officeDocument/2006/relationships" xmlns:p="http://schemas.openxmlformats.org/presentationml/2006/main">
-  <p:cSld>
-    <p:spTree>
-      <p:nvGrpSpPr>
-        <p:cNvPr id="1" name=""/>
-        <p:cNvGrpSpPr/>
-        <p:nvPr/>
-      </p:nvGrpSpPr>
-      <p:grpSpPr>
-        <a:xfrm>
-          <a:off x="0" y="0"/>
-          <a:ext cx="0" cy="0"/>
-          <a:chOff x="0" y="0"/>
-          <a:chExt cx="0" cy="0"/>
-        </a:xfrm>
-      </p:grpSpPr>
-      <p:sp>
-        <p:nvSpPr>
-          <p:cNvPr id="2" name="Title 1">
-            <a:extLst>
-              <a:ext uri="{FF2B5EF4-FFF2-40B4-BE49-F238E27FC236}">
-                <a16:creationId xmlns:a16="http://schemas.microsoft.com/office/drawing/2014/main" id="{FDA4BC1B-6EA8-584F-8963-A84BB70956F8}"/>
-              </a:ext>
-            </a:extLst>
-          </p:cNvPr>
-          <p:cNvSpPr>
-            <a:spLocks noGrp="1"/>
-          </p:cNvSpPr>
-          <p:nvPr>
-            <p:ph type="title"/>
-          </p:nvPr>
-        </p:nvSpPr>
-        <p:spPr/>
-        <p:txBody>
-          <a:bodyPr/>
-          <a:lstStyle/>
-          <a:p>
-            <a:r>
-              <a:rPr lang="en-US" dirty="0"/>
-              <a:t>How Much?</a:t>
-            </a:r>
-          </a:p>
-        </p:txBody>
-      </p:sp>
-      <p:sp>
-        <p:nvSpPr>
-          <p:cNvPr id="3" name="Content Placeholder 2">
-            <a:extLst>
-              <a:ext uri="{FF2B5EF4-FFF2-40B4-BE49-F238E27FC236}">
-                <a16:creationId xmlns:a16="http://schemas.microsoft.com/office/drawing/2014/main" id="{3AAEF59B-BB58-AC48-B9A3-368062197B99}"/>
-              </a:ext>
-            </a:extLst>
-          </p:cNvPr>
-          <p:cNvSpPr>
-            <a:spLocks noGrp="1"/>
-          </p:cNvSpPr>
-          <p:nvPr>
-            <p:ph idx="1"/>
-          </p:nvPr>
-        </p:nvSpPr>
-        <p:spPr/>
-        <p:txBody>
-          <a:bodyPr>
-            <a:normAutofit/>
-          </a:bodyPr>
-          <a:lstStyle/>
-          <a:p>
-            <a:r>
-              <a:rPr lang="en-US" dirty="0"/>
-              <a:t>How much time does an operation take?</a:t>
-            </a:r>
-          </a:p>
-          <a:p>
-            <a:endParaRPr lang="en-US" dirty="0"/>
-          </a:p>
-          <a:p>
-            <a:r>
-              <a:rPr lang="en-US" dirty="0"/>
-              <a:t>How much memory does it use?</a:t>
-            </a:r>
-          </a:p>
-          <a:p>
-            <a:endParaRPr lang="en-US" dirty="0"/>
-          </a:p>
-          <a:p>
-            <a:r>
-              <a:rPr lang="en-US" dirty="0"/>
-              <a:t>In the worst case? On average?</a:t>
-            </a:r>
-          </a:p>
-          <a:p>
-            <a:endParaRPr lang="en-US" dirty="0"/>
-          </a:p>
-          <a:p>
-            <a:r>
-              <a:rPr lang="en-US" dirty="0"/>
-              <a:t>How does the work grow as the input grows?</a:t>
-            </a:r>
-          </a:p>
-        </p:txBody>
-      </p:sp>
-      <p:sp>
-        <p:nvSpPr>
-          <p:cNvPr id="4" name="Footer Placeholder 3">
-            <a:extLst>
-              <a:ext uri="{FF2B5EF4-FFF2-40B4-BE49-F238E27FC236}">
-                <a16:creationId xmlns:a16="http://schemas.microsoft.com/office/drawing/2014/main" id="{FF0422E7-8925-6042-B656-DE63D727A9F1}"/>
-              </a:ext>
-            </a:extLst>
-          </p:cNvPr>
-          <p:cNvSpPr>
-            <a:spLocks noGrp="1"/>
-          </p:cNvSpPr>
-          <p:nvPr>
-            <p:ph type="ftr" sz="quarter" idx="11"/>
-          </p:nvPr>
-        </p:nvSpPr>
-        <p:spPr/>
-        <p:txBody>
-          <a:bodyPr/>
-          <a:lstStyle/>
-          <a:p>
-            <a:r>
-              <a:rPr lang="en-US"/>
-              <a:t>CSCI 1102 Computer Science 2</a:t>
-            </a:r>
-          </a:p>
-        </p:txBody>
-      </p:sp>
-    </p:spTree>
-    <p:extLst>
-      <p:ext uri="{BB962C8B-B14F-4D97-AF65-F5344CB8AC3E}">
-        <p14:creationId xmlns:p14="http://schemas.microsoft.com/office/powerpoint/2010/main" val="4031382817"/>
-      </p:ext>
-    </p:extLst>
-  </p:cSld>
-  <p:clrMapOvr>
-    <a:masterClrMapping/>
-  </p:clrMapOvr>
-</p:sld>
-</file>
-
-<file path=ppt/slides/slide44.xml><?xml version="1.0" encoding="utf-8"?>
-<p:sld xmlns:a="http://schemas.openxmlformats.org/drawingml/2006/main" xmlns:r="http://schemas.openxmlformats.org/officeDocument/2006/relationships" xmlns:p="http://schemas.openxmlformats.org/presentationml/2006/main">
-  <p:cSld>
-    <p:spTree>
-      <p:nvGrpSpPr>
-        <p:cNvPr id="1" name=""/>
-        <p:cNvGrpSpPr/>
-        <p:nvPr/>
-      </p:nvGrpSpPr>
-      <p:grpSpPr>
-        <a:xfrm>
-          <a:off x="0" y="0"/>
-          <a:ext cx="0" cy="0"/>
-          <a:chOff x="0" y="0"/>
-          <a:chExt cx="0" cy="0"/>
-        </a:xfrm>
-      </p:grpSpPr>
-      <p:cxnSp>
-        <p:nvCxnSpPr>
-          <p:cNvPr id="13" name="Straight Arrow Connector 12">
-            <a:extLst>
-              <a:ext uri="{FF2B5EF4-FFF2-40B4-BE49-F238E27FC236}">
-                <a16:creationId xmlns:a16="http://schemas.microsoft.com/office/drawing/2014/main" id="{930A4FC0-3119-9240-B703-AF438ABFC5E9}"/>
-              </a:ext>
-            </a:extLst>
-          </p:cNvPr>
-          <p:cNvCxnSpPr>
-            <a:cxnSpLocks/>
-          </p:cNvCxnSpPr>
-          <p:nvPr/>
-        </p:nvCxnSpPr>
-        <p:spPr>
-          <a:xfrm>
-            <a:off x="1478843" y="6129866"/>
-            <a:ext cx="5991174" cy="0"/>
-          </a:xfrm>
-          <a:prstGeom prst="straightConnector1">
-            <a:avLst/>
-          </a:prstGeom>
-          <a:ln w="63500">
-            <a:solidFill>
-              <a:schemeClr val="bg1">
-                <a:lumMod val="50000"/>
-              </a:schemeClr>
-            </a:solidFill>
-            <a:tailEnd type="triangle"/>
-          </a:ln>
-        </p:spPr>
-        <p:style>
-          <a:lnRef idx="2">
-            <a:schemeClr val="accent1"/>
-          </a:lnRef>
-          <a:fillRef idx="0">
-            <a:schemeClr val="accent1"/>
-          </a:fillRef>
-          <a:effectRef idx="1">
-            <a:schemeClr val="accent1"/>
-          </a:effectRef>
-          <a:fontRef idx="minor">
-            <a:schemeClr val="tx1"/>
-          </a:fontRef>
-        </p:style>
-      </p:cxnSp>
-      <p:cxnSp>
-        <p:nvCxnSpPr>
-          <p:cNvPr id="10" name="Straight Arrow Connector 9">
-            <a:extLst>
-              <a:ext uri="{FF2B5EF4-FFF2-40B4-BE49-F238E27FC236}">
-                <a16:creationId xmlns:a16="http://schemas.microsoft.com/office/drawing/2014/main" id="{769675B0-AA91-E442-B2DC-A1188FF13600}"/>
-              </a:ext>
-            </a:extLst>
-          </p:cNvPr>
-          <p:cNvCxnSpPr/>
-          <p:nvPr/>
-        </p:nvCxnSpPr>
-        <p:spPr>
-          <a:xfrm flipV="1">
-            <a:off x="1369180" y="2122311"/>
-            <a:ext cx="5358997" cy="3747911"/>
-          </a:xfrm>
-          <a:prstGeom prst="straightConnector1">
-            <a:avLst/>
-          </a:prstGeom>
-          <a:ln w="63500">
-            <a:solidFill>
-              <a:srgbClr val="C00000"/>
-            </a:solidFill>
-            <a:tailEnd type="triangle"/>
-          </a:ln>
-        </p:spPr>
-        <p:style>
-          <a:lnRef idx="2">
-            <a:schemeClr val="accent1"/>
-          </a:lnRef>
-          <a:fillRef idx="0">
-            <a:schemeClr val="accent1"/>
-          </a:fillRef>
-          <a:effectRef idx="1">
-            <a:schemeClr val="accent1"/>
-          </a:effectRef>
-          <a:fontRef idx="minor">
-            <a:schemeClr val="tx1"/>
-          </a:fontRef>
-        </p:style>
-      </p:cxnSp>
-      <p:sp>
-        <p:nvSpPr>
-          <p:cNvPr id="2" name="Title 1">
-            <a:extLst>
-              <a:ext uri="{FF2B5EF4-FFF2-40B4-BE49-F238E27FC236}">
-                <a16:creationId xmlns:a16="http://schemas.microsoft.com/office/drawing/2014/main" id="{8FD762D1-A3AA-5648-8EBA-B55D1033B119}"/>
-              </a:ext>
-            </a:extLst>
-          </p:cNvPr>
-          <p:cNvSpPr>
-            <a:spLocks noGrp="1"/>
-          </p:cNvSpPr>
-          <p:nvPr>
-            <p:ph type="title"/>
-          </p:nvPr>
-        </p:nvSpPr>
-        <p:spPr/>
-        <p:txBody>
-          <a:bodyPr/>
-          <a:lstStyle/>
-          <a:p>
-            <a:r>
-              <a:rPr lang="en-US" dirty="0"/>
-              <a:t>Measure the Input Size – N </a:t>
-            </a:r>
-          </a:p>
-        </p:txBody>
-      </p:sp>
-      <p:sp>
-        <p:nvSpPr>
-          <p:cNvPr id="4" name="Footer Placeholder 3">
-            <a:extLst>
-              <a:ext uri="{FF2B5EF4-FFF2-40B4-BE49-F238E27FC236}">
-                <a16:creationId xmlns:a16="http://schemas.microsoft.com/office/drawing/2014/main" id="{AC95171D-B7F8-6242-BE52-8437FDBF57C3}"/>
-              </a:ext>
-            </a:extLst>
-          </p:cNvPr>
-          <p:cNvSpPr>
-            <a:spLocks noGrp="1"/>
-          </p:cNvSpPr>
-          <p:nvPr>
-            <p:ph type="ftr" sz="quarter" idx="11"/>
-          </p:nvPr>
-        </p:nvSpPr>
-        <p:spPr/>
-        <p:txBody>
-          <a:bodyPr/>
-          <a:lstStyle/>
-          <a:p>
-            <a:r>
-              <a:rPr lang="en-US"/>
-              <a:t>CSCI 1102 Computer Science 2</a:t>
-            </a:r>
-          </a:p>
-        </p:txBody>
-      </p:sp>
-      <p:sp>
-        <p:nvSpPr>
-          <p:cNvPr id="5" name="Rectangle 4">
-            <a:extLst>
-              <a:ext uri="{FF2B5EF4-FFF2-40B4-BE49-F238E27FC236}">
-                <a16:creationId xmlns:a16="http://schemas.microsoft.com/office/drawing/2014/main" id="{058447C8-8F9E-E34F-8A0F-4A916D82F157}"/>
-              </a:ext>
-            </a:extLst>
-          </p:cNvPr>
-          <p:cNvSpPr/>
-          <p:nvPr/>
-        </p:nvSpPr>
-        <p:spPr>
-          <a:xfrm>
-            <a:off x="1369180" y="1428927"/>
-            <a:ext cx="6360607" cy="4441295"/>
-          </a:xfrm>
-          <a:prstGeom prst="rect">
-            <a:avLst/>
-          </a:prstGeom>
-          <a:noFill/>
-          <a:ln w="41275">
-            <a:solidFill>
-              <a:schemeClr val="tx1"/>
-            </a:solidFill>
-          </a:ln>
-        </p:spPr>
-        <p:style>
-          <a:lnRef idx="1">
-            <a:schemeClr val="accent1"/>
-          </a:lnRef>
-          <a:fillRef idx="3">
-            <a:schemeClr val="accent1"/>
-          </a:fillRef>
-          <a:effectRef idx="2">
-            <a:schemeClr val="accent1"/>
-          </a:effectRef>
-          <a:fontRef idx="minor">
-            <a:schemeClr val="lt1"/>
-          </a:fontRef>
-        </p:style>
-        <p:txBody>
-          <a:bodyPr rtlCol="0" anchor="ctr"/>
-          <a:lstStyle/>
-          <a:p>
-            <a:pPr algn="ctr"/>
-            <a:endParaRPr lang="en-US"/>
-          </a:p>
-        </p:txBody>
-      </p:sp>
-      <p:sp>
-        <p:nvSpPr>
-          <p:cNvPr id="11" name="TextBox 10">
-            <a:extLst>
-              <a:ext uri="{FF2B5EF4-FFF2-40B4-BE49-F238E27FC236}">
-                <a16:creationId xmlns:a16="http://schemas.microsoft.com/office/drawing/2014/main" id="{D014D792-7154-F447-A8BA-F5B325E5C8A3}"/>
-              </a:ext>
-            </a:extLst>
-          </p:cNvPr>
-          <p:cNvSpPr txBox="1"/>
-          <p:nvPr/>
-        </p:nvSpPr>
-        <p:spPr>
-          <a:xfrm>
-            <a:off x="3826628" y="5928620"/>
-            <a:ext cx="1468287" cy="369332"/>
-          </a:xfrm>
-          <a:prstGeom prst="rect">
-            <a:avLst/>
-          </a:prstGeom>
-          <a:solidFill>
-            <a:schemeClr val="bg1"/>
-          </a:solidFill>
-        </p:spPr>
-        <p:txBody>
-          <a:bodyPr wrap="none" rtlCol="0">
-            <a:spAutoFit/>
-          </a:bodyPr>
-          <a:lstStyle/>
-          <a:p>
-            <a:r>
-              <a:rPr lang="en-US" dirty="0"/>
-              <a:t>Input Size – N</a:t>
-            </a:r>
-          </a:p>
-        </p:txBody>
-      </p:sp>
-      <p:cxnSp>
-        <p:nvCxnSpPr>
-          <p:cNvPr id="16" name="Straight Arrow Connector 15">
-            <a:extLst>
-              <a:ext uri="{FF2B5EF4-FFF2-40B4-BE49-F238E27FC236}">
-                <a16:creationId xmlns:a16="http://schemas.microsoft.com/office/drawing/2014/main" id="{A8860137-8D55-DE4E-BF3B-4D9BD97DF2C3}"/>
-              </a:ext>
-            </a:extLst>
-          </p:cNvPr>
-          <p:cNvCxnSpPr>
-            <a:cxnSpLocks/>
-          </p:cNvCxnSpPr>
-          <p:nvPr/>
-        </p:nvCxnSpPr>
-        <p:spPr>
-          <a:xfrm flipV="1">
-            <a:off x="900440" y="1476036"/>
-            <a:ext cx="0" cy="4322763"/>
-          </a:xfrm>
-          <a:prstGeom prst="straightConnector1">
-            <a:avLst/>
-          </a:prstGeom>
-          <a:ln w="63500">
-            <a:solidFill>
-              <a:schemeClr val="bg1">
-                <a:lumMod val="50000"/>
-              </a:schemeClr>
-            </a:solidFill>
-            <a:tailEnd type="triangle"/>
-          </a:ln>
-        </p:spPr>
-        <p:style>
-          <a:lnRef idx="2">
-            <a:schemeClr val="accent1"/>
-          </a:lnRef>
-          <a:fillRef idx="0">
-            <a:schemeClr val="accent1"/>
-          </a:fillRef>
-          <a:effectRef idx="1">
-            <a:schemeClr val="accent1"/>
-          </a:effectRef>
-          <a:fontRef idx="minor">
-            <a:schemeClr val="tx1"/>
-          </a:fontRef>
-        </p:style>
-      </p:cxnSp>
-      <p:sp>
-        <p:nvSpPr>
-          <p:cNvPr id="12" name="TextBox 11">
-            <a:extLst>
-              <a:ext uri="{FF2B5EF4-FFF2-40B4-BE49-F238E27FC236}">
-                <a16:creationId xmlns:a16="http://schemas.microsoft.com/office/drawing/2014/main" id="{E6844516-4A59-0F44-B274-8B2E97314E0B}"/>
-              </a:ext>
-            </a:extLst>
-          </p:cNvPr>
-          <p:cNvSpPr txBox="1"/>
-          <p:nvPr/>
-        </p:nvSpPr>
-        <p:spPr>
-          <a:xfrm>
-            <a:off x="457200" y="3249560"/>
-            <a:ext cx="886481" cy="923330"/>
-          </a:xfrm>
-          <a:prstGeom prst="rect">
-            <a:avLst/>
-          </a:prstGeom>
-          <a:solidFill>
-            <a:schemeClr val="bg1"/>
-          </a:solidFill>
-        </p:spPr>
-        <p:txBody>
-          <a:bodyPr wrap="square" rtlCol="0">
-            <a:spAutoFit/>
-          </a:bodyPr>
-          <a:lstStyle/>
-          <a:p>
-            <a:pPr algn="ctr"/>
-            <a:r>
-              <a:rPr lang="en-US" dirty="0"/>
-              <a:t>Units of Work</a:t>
-            </a:r>
-          </a:p>
-        </p:txBody>
-      </p:sp>
-    </p:spTree>
-    <p:extLst>
-      <p:ext uri="{BB962C8B-B14F-4D97-AF65-F5344CB8AC3E}">
-        <p14:creationId xmlns:p14="http://schemas.microsoft.com/office/powerpoint/2010/main" val="559531782"/>
       </p:ext>
     </p:extLst>
   </p:cSld>
